--- a/SEIS.pptx
+++ b/SEIS.pptx
@@ -113,6 +113,11 @@
       </a:defRPr>
     </a:lvl9pPr>
   </p:defaultTextStyle>
+  <p:extLst>
+    <p:ext uri="{EFAFB233-063F-42B5-8137-9DF3F51BA10A}">
+      <p15:sldGuideLst xmlns:p15="http://schemas.microsoft.com/office/powerpoint/2012/main"/>
+    </p:ext>
+  </p:extLst>
 </p:presentation>
 </file>
 
@@ -4600,10 +4605,10 @@
       </p:sp>
       <p:pic>
         <p:nvPicPr>
-          <p:cNvPr id="4" name="Afbeelding 3" descr="PlantUML diagram">
-            <a:extLst>
-              <a:ext uri="{FF2B5EF4-FFF2-40B4-BE49-F238E27FC236}">
-                <a16:creationId xmlns:a16="http://schemas.microsoft.com/office/drawing/2014/main" id="{0EF5D378-455D-3D0D-830A-E00215362851}"/>
+          <p:cNvPr id="5" name="Afbeelding 4" descr="PlantUML Diagram">
+            <a:extLst>
+              <a:ext uri="{FF2B5EF4-FFF2-40B4-BE49-F238E27FC236}">
+                <a16:creationId xmlns:a16="http://schemas.microsoft.com/office/drawing/2014/main" id="{1C2E16B6-09EC-9598-5246-09A5B29FCEF6}"/>
               </a:ext>
             </a:extLst>
           </p:cNvPr>
@@ -4627,8 +4632,8 @@
         </p:blipFill>
         <p:spPr bwMode="auto">
           <a:xfrm>
-            <a:off x="1374353" y="2572248"/>
-            <a:ext cx="9443294" cy="3739652"/>
+            <a:off x="1429013" y="2522538"/>
+            <a:ext cx="8892540" cy="3654425"/>
           </a:xfrm>
           <a:prstGeom prst="rect">
             <a:avLst/>
@@ -4991,6 +4996,36 @@
           </a:prstGeom>
         </p:spPr>
       </p:pic>
+      <p:pic>
+        <p:nvPicPr>
+          <p:cNvPr id="5" name="Afbeelding 4">
+            <a:extLst>
+              <a:ext uri="{FF2B5EF4-FFF2-40B4-BE49-F238E27FC236}">
+                <a16:creationId xmlns:a16="http://schemas.microsoft.com/office/drawing/2014/main" id="{9C2098DE-889E-A7D1-71E9-4CA48565BC53}"/>
+              </a:ext>
+            </a:extLst>
+          </p:cNvPr>
+          <p:cNvPicPr>
+            <a:picLocks noChangeAspect="1"/>
+          </p:cNvPicPr>
+          <p:nvPr/>
+        </p:nvPicPr>
+        <p:blipFill>
+          <a:blip r:embed="rId3"/>
+          <a:stretch>
+            <a:fillRect/>
+          </a:stretch>
+        </p:blipFill>
+        <p:spPr>
+          <a:xfrm>
+            <a:off x="1529673" y="4445876"/>
+            <a:ext cx="1860831" cy="1865148"/>
+          </a:xfrm>
+          <a:prstGeom prst="rect">
+            <a:avLst/>
+          </a:prstGeom>
+        </p:spPr>
+      </p:pic>
     </p:spTree>
     <p:extLst>
       <p:ext uri="{BB962C8B-B14F-4D97-AF65-F5344CB8AC3E}">
@@ -5534,6 +5569,35 @@
           <a:xfrm>
             <a:off x="7661009" y="365125"/>
             <a:ext cx="4025088" cy="6319520"/>
+          </a:xfrm>
+          <a:prstGeom prst="rect">
+            <a:avLst/>
+          </a:prstGeom>
+        </p:spPr>
+      </p:pic>
+      <p:pic>
+        <p:nvPicPr>
+          <p:cNvPr id="6" name="Afbeelding 5">
+            <a:extLst>
+              <a:ext uri="{FF2B5EF4-FFF2-40B4-BE49-F238E27FC236}">
+                <a16:creationId xmlns:a16="http://schemas.microsoft.com/office/drawing/2014/main" id="{18A559DD-97A6-C9CE-F4DA-EC01AC9FB089}"/>
+              </a:ext>
+            </a:extLst>
+          </p:cNvPr>
+          <p:cNvPicPr>
+            <a:picLocks noChangeAspect="1"/>
+          </p:cNvPicPr>
+          <p:nvPr/>
+        </p:nvPicPr>
+        <p:blipFill>
+          <a:blip r:embed="rId3"/>
+          <a:srcRect l="30263" t="4002" r="10320" b="51015"/>
+          <a:stretch/>
+        </p:blipFill>
+        <p:spPr>
+          <a:xfrm>
+            <a:off x="1576551" y="3429000"/>
+            <a:ext cx="4109545" cy="3137652"/>
           </a:xfrm>
           <a:prstGeom prst="rect">
             <a:avLst/>
@@ -5869,6 +5933,23 @@
 </file>
 
 <file path=customXml/item1.xml><?xml version="1.0" encoding="utf-8"?>
+<p:properties xmlns:p="http://schemas.microsoft.com/office/2006/metadata/properties" xmlns:xsi="http://www.w3.org/2001/XMLSchema-instance" xmlns:pc="http://schemas.microsoft.com/office/infopath/2007/PartnerControls">
+  <documentManagement>
+    <_activity xmlns="b8e29f04-d4b6-4192-8923-4366fee15c88" xsi:nil="true"/>
+  </documentManagement>
+</p:properties>
+</file>
+
+<file path=customXml/item2.xml><?xml version="1.0" encoding="utf-8"?>
+<?mso-contentType ?>
+<FormTemplates xmlns="http://schemas.microsoft.com/sharepoint/v3/contenttype/forms">
+  <Display>DocumentLibraryForm</Display>
+  <Edit>DocumentLibraryForm</Edit>
+  <New>DocumentLibraryForm</New>
+</FormTemplates>
+</file>
+
+<file path=customXml/item3.xml><?xml version="1.0" encoding="utf-8"?>
 <ct:contentTypeSchema xmlns:ct="http://schemas.microsoft.com/office/2006/metadata/contentType" xmlns:ma="http://schemas.microsoft.com/office/2006/metadata/properties/metaAttributes" ct:_="" ma:_="" ma:contentTypeName="Document" ma:contentTypeID="0x0101007BEC76A904CBCA468C60C8250BA9711F" ma:contentTypeVersion="9" ma:contentTypeDescription="Create a new document." ma:contentTypeScope="" ma:versionID="c53be94ba2e9dbf25400d2f5cd4d671e">
   <xsd:schema xmlns:xsd="http://www.w3.org/2001/XMLSchema" xmlns:xs="http://www.w3.org/2001/XMLSchema" xmlns:p="http://schemas.microsoft.com/office/2006/metadata/properties" xmlns:ns3="b8e29f04-d4b6-4192-8923-4366fee15c88" xmlns:ns4="af655ab8-bc6f-40da-9b4e-cb8bc0774586" targetNamespace="http://schemas.microsoft.com/office/2006/metadata/properties" ma:root="true" ma:fieldsID="66892e55494934b15afbcf934975bbc9" ns3:_="" ns4:_="">
     <xsd:import namespace="b8e29f04-d4b6-4192-8923-4366fee15c88"/>
@@ -6063,24 +6144,32 @@
 </ct:contentTypeSchema>
 </file>
 
-<file path=customXml/item2.xml><?xml version="1.0" encoding="utf-8"?>
-<?mso-contentType ?>
-<FormTemplates xmlns="http://schemas.microsoft.com/sharepoint/v3/contenttype/forms">
-  <Display>DocumentLibraryForm</Display>
-  <Edit>DocumentLibraryForm</Edit>
-  <New>DocumentLibraryForm</New>
-</FormTemplates>
+<file path=customXml/itemProps1.xml><?xml version="1.0" encoding="utf-8"?>
+<ds:datastoreItem xmlns:ds="http://schemas.openxmlformats.org/officeDocument/2006/customXml" ds:itemID="{F7768365-9D34-43C4-82FA-1E8DE9DD2A9A}">
+  <ds:schemaRefs>
+    <ds:schemaRef ds:uri="http://www.w3.org/XML/1998/namespace"/>
+    <ds:schemaRef ds:uri="b8e29f04-d4b6-4192-8923-4366fee15c88"/>
+    <ds:schemaRef ds:uri="http://purl.org/dc/dcmitype/"/>
+    <ds:schemaRef ds:uri="http://purl.org/dc/elements/1.1/"/>
+    <ds:schemaRef ds:uri="http://purl.org/dc/terms/"/>
+    <ds:schemaRef ds:uri="http://schemas.microsoft.com/office/2006/documentManagement/types"/>
+    <ds:schemaRef ds:uri="http://schemas.microsoft.com/office/infopath/2007/PartnerControls"/>
+    <ds:schemaRef ds:uri="http://schemas.openxmlformats.org/package/2006/metadata/core-properties"/>
+    <ds:schemaRef ds:uri="af655ab8-bc6f-40da-9b4e-cb8bc0774586"/>
+    <ds:schemaRef ds:uri="http://schemas.microsoft.com/office/2006/metadata/properties"/>
+  </ds:schemaRefs>
+</ds:datastoreItem>
 </file>
 
-<file path=customXml/item3.xml><?xml version="1.0" encoding="utf-8"?>
-<p:properties xmlns:p="http://schemas.microsoft.com/office/2006/metadata/properties" xmlns:xsi="http://www.w3.org/2001/XMLSchema-instance" xmlns:pc="http://schemas.microsoft.com/office/infopath/2007/PartnerControls">
-  <documentManagement>
-    <_activity xmlns="b8e29f04-d4b6-4192-8923-4366fee15c88" xsi:nil="true"/>
-  </documentManagement>
-</p:properties>
+<file path=customXml/itemProps2.xml><?xml version="1.0" encoding="utf-8"?>
+<ds:datastoreItem xmlns:ds="http://schemas.openxmlformats.org/officeDocument/2006/customXml" ds:itemID="{3E9AC634-F61F-4578-8C3A-1B8CCE01C1AE}">
+  <ds:schemaRefs>
+    <ds:schemaRef ds:uri="http://schemas.microsoft.com/sharepoint/v3/contenttype/forms"/>
+  </ds:schemaRefs>
+</ds:datastoreItem>
 </file>
 
-<file path=customXml/itemProps1.xml><?xml version="1.0" encoding="utf-8"?>
+<file path=customXml/itemProps3.xml><?xml version="1.0" encoding="utf-8"?>
 <ds:datastoreItem xmlns:ds="http://schemas.openxmlformats.org/officeDocument/2006/customXml" ds:itemID="{1DDF8F19-30F0-4CD7-95F3-2E236065CA8F}">
   <ds:schemaRefs>
     <ds:schemaRef ds:uri="http://schemas.microsoft.com/office/2006/metadata/contentType"/>
@@ -6097,29 +6186,4 @@
     <ds:schemaRef ds:uri="http://schemas.microsoft.com/internal/obd"/>
   </ds:schemaRefs>
 </ds:datastoreItem>
-</file>
-
-<file path=customXml/itemProps2.xml><?xml version="1.0" encoding="utf-8"?>
-<ds:datastoreItem xmlns:ds="http://schemas.openxmlformats.org/officeDocument/2006/customXml" ds:itemID="{3E9AC634-F61F-4578-8C3A-1B8CCE01C1AE}">
-  <ds:schemaRefs>
-    <ds:schemaRef ds:uri="http://schemas.microsoft.com/sharepoint/v3/contenttype/forms"/>
-  </ds:schemaRefs>
-</ds:datastoreItem>
-</file>
-
-<file path=customXml/itemProps3.xml><?xml version="1.0" encoding="utf-8"?>
-<ds:datastoreItem xmlns:ds="http://schemas.openxmlformats.org/officeDocument/2006/customXml" ds:itemID="{F7768365-9D34-43C4-82FA-1E8DE9DD2A9A}">
-  <ds:schemaRefs>
-    <ds:schemaRef ds:uri="http://www.w3.org/XML/1998/namespace"/>
-    <ds:schemaRef ds:uri="b8e29f04-d4b6-4192-8923-4366fee15c88"/>
-    <ds:schemaRef ds:uri="http://purl.org/dc/dcmitype/"/>
-    <ds:schemaRef ds:uri="http://purl.org/dc/elements/1.1/"/>
-    <ds:schemaRef ds:uri="http://purl.org/dc/terms/"/>
-    <ds:schemaRef ds:uri="http://schemas.microsoft.com/office/2006/documentManagement/types"/>
-    <ds:schemaRef ds:uri="http://schemas.microsoft.com/office/infopath/2007/PartnerControls"/>
-    <ds:schemaRef ds:uri="http://schemas.openxmlformats.org/package/2006/metadata/core-properties"/>
-    <ds:schemaRef ds:uri="af655ab8-bc6f-40da-9b4e-cb8bc0774586"/>
-    <ds:schemaRef ds:uri="http://schemas.microsoft.com/office/2006/metadata/properties"/>
-  </ds:schemaRefs>
-</ds:datastoreItem>
 </file>
--- a/SEIS.pptx
+++ b/SEIS.pptx
@@ -4845,6 +4845,19 @@
               <a:rPr lang="en-US" dirty="0"/>
               <a:t>Communicates with robots via MQTT</a:t>
             </a:r>
+          </a:p>
+          <a:p>
+            <a:r>
+              <a:rPr lang="nl-BE" b="1" dirty="0" err="1"/>
+              <a:t>ChainPathManager</a:t>
+            </a:r>
+            <a:r>
+              <a:rPr lang="en-US" dirty="0"/>
+              <a:t>: Groups unbranched path sections to avoid robot trapping and enable atomic reservation of corridors</a:t>
+            </a:r>
+          </a:p>
+          <a:p>
+            <a:endParaRPr lang="en-US" dirty="0"/>
           </a:p>
           <a:p>
             <a:pPr marL="0" indent="0">
@@ -5941,15 +5954,6 @@
 </file>
 
 <file path=customXml/item2.xml><?xml version="1.0" encoding="utf-8"?>
-<?mso-contentType ?>
-<FormTemplates xmlns="http://schemas.microsoft.com/sharepoint/v3/contenttype/forms">
-  <Display>DocumentLibraryForm</Display>
-  <Edit>DocumentLibraryForm</Edit>
-  <New>DocumentLibraryForm</New>
-</FormTemplates>
-</file>
-
-<file path=customXml/item3.xml><?xml version="1.0" encoding="utf-8"?>
 <ct:contentTypeSchema xmlns:ct="http://schemas.microsoft.com/office/2006/metadata/contentType" xmlns:ma="http://schemas.microsoft.com/office/2006/metadata/properties/metaAttributes" ct:_="" ma:_="" ma:contentTypeName="Document" ma:contentTypeID="0x0101007BEC76A904CBCA468C60C8250BA9711F" ma:contentTypeVersion="9" ma:contentTypeDescription="Create a new document." ma:contentTypeScope="" ma:versionID="c53be94ba2e9dbf25400d2f5cd4d671e">
   <xsd:schema xmlns:xsd="http://www.w3.org/2001/XMLSchema" xmlns:xs="http://www.w3.org/2001/XMLSchema" xmlns:p="http://schemas.microsoft.com/office/2006/metadata/properties" xmlns:ns3="b8e29f04-d4b6-4192-8923-4366fee15c88" xmlns:ns4="af655ab8-bc6f-40da-9b4e-cb8bc0774586" targetNamespace="http://schemas.microsoft.com/office/2006/metadata/properties" ma:root="true" ma:fieldsID="66892e55494934b15afbcf934975bbc9" ns3:_="" ns4:_="">
     <xsd:import namespace="b8e29f04-d4b6-4192-8923-4366fee15c88"/>
@@ -6144,6 +6148,15 @@
 </ct:contentTypeSchema>
 </file>
 
+<file path=customXml/item3.xml><?xml version="1.0" encoding="utf-8"?>
+<?mso-contentType ?>
+<FormTemplates xmlns="http://schemas.microsoft.com/sharepoint/v3/contenttype/forms">
+  <Display>DocumentLibraryForm</Display>
+  <Edit>DocumentLibraryForm</Edit>
+  <New>DocumentLibraryForm</New>
+</FormTemplates>
+</file>
+
 <file path=customXml/itemProps1.xml><?xml version="1.0" encoding="utf-8"?>
 <ds:datastoreItem xmlns:ds="http://schemas.openxmlformats.org/officeDocument/2006/customXml" ds:itemID="{F7768365-9D34-43C4-82FA-1E8DE9DD2A9A}">
   <ds:schemaRefs>
@@ -6162,14 +6175,6 @@
 </file>
 
 <file path=customXml/itemProps2.xml><?xml version="1.0" encoding="utf-8"?>
-<ds:datastoreItem xmlns:ds="http://schemas.openxmlformats.org/officeDocument/2006/customXml" ds:itemID="{3E9AC634-F61F-4578-8C3A-1B8CCE01C1AE}">
-  <ds:schemaRefs>
-    <ds:schemaRef ds:uri="http://schemas.microsoft.com/sharepoint/v3/contenttype/forms"/>
-  </ds:schemaRefs>
-</ds:datastoreItem>
-</file>
-
-<file path=customXml/itemProps3.xml><?xml version="1.0" encoding="utf-8"?>
 <ds:datastoreItem xmlns:ds="http://schemas.openxmlformats.org/officeDocument/2006/customXml" ds:itemID="{1DDF8F19-30F0-4CD7-95F3-2E236065CA8F}">
   <ds:schemaRefs>
     <ds:schemaRef ds:uri="http://schemas.microsoft.com/office/2006/metadata/contentType"/>
@@ -6186,4 +6191,12 @@
     <ds:schemaRef ds:uri="http://schemas.microsoft.com/internal/obd"/>
   </ds:schemaRefs>
 </ds:datastoreItem>
+</file>
+
+<file path=customXml/itemProps3.xml><?xml version="1.0" encoding="utf-8"?>
+<ds:datastoreItem xmlns:ds="http://schemas.openxmlformats.org/officeDocument/2006/customXml" ds:itemID="{3E9AC634-F61F-4578-8C3A-1B8CCE01C1AE}">
+  <ds:schemaRefs>
+    <ds:schemaRef ds:uri="http://schemas.microsoft.com/sharepoint/v3/contenttype/forms"/>
+  </ds:schemaRefs>
+</ds:datastoreItem>
 </file>